--- a/Matlab/Лекция №3 - Методы обработки сигналов.pptx
+++ b/Matlab/Лекция №3 - Методы обработки сигналов.pptx
@@ -149,7 +149,7 @@
   </p:defaultTextStyle>
   <p:extLst>
     <p:ext uri="{EFAFB233-063F-42B5-8137-9DF3F51BA10A}">
-      <p15:sldGuideLst xmlns:p15="http://schemas.microsoft.com/office/powerpoint/2012/main" xmlns="">
+      <p15:sldGuideLst xmlns:p15="http://schemas.microsoft.com/office/powerpoint/2012/main">
         <p15:guide id="1" orient="horz" pos="2160">
           <p15:clr>
             <a:srgbClr val="A4A3A4"/>
@@ -163,7 +163,7 @@
       </p15:sldGuideLst>
     </p:ext>
     <p:ext uri="{2D200454-40CA-4A62-9FC3-DE9A4176ACB9}">
-      <p15:notesGuideLst xmlns:p15="http://schemas.microsoft.com/office/powerpoint/2012/main" xmlns="">
+      <p15:notesGuideLst xmlns:p15="http://schemas.microsoft.com/office/powerpoint/2012/main">
         <p15:guide id="1" orient="horz" pos="2880">
           <p15:clr>
             <a:srgbClr val="A4A3A4"/>
@@ -293,7 +293,7 @@
               <a:pPr>
                 <a:defRPr/>
               </a:pPr>
-              <a:t>24.09.2015</a:t>
+              <a:t>12.09.2023</a:t>
             </a:fld>
             <a:endParaRPr lang="ru-RU"/>
           </a:p>
@@ -358,38 +358,37 @@
           <a:p>
             <a:pPr lvl="0"/>
             <a:r>
-              <a:rPr lang="ru-RU" noProof="0" smtClean="0"/>
+              <a:rPr lang="ru-RU" noProof="0"/>
               <a:t>Образец текста</a:t>
             </a:r>
           </a:p>
           <a:p>
             <a:pPr lvl="1"/>
             <a:r>
-              <a:rPr lang="ru-RU" noProof="0" smtClean="0"/>
+              <a:rPr lang="ru-RU" noProof="0"/>
               <a:t>Второй уровень</a:t>
             </a:r>
           </a:p>
           <a:p>
             <a:pPr lvl="2"/>
             <a:r>
-              <a:rPr lang="ru-RU" noProof="0" smtClean="0"/>
+              <a:rPr lang="ru-RU" noProof="0"/>
               <a:t>Третий уровень</a:t>
             </a:r>
           </a:p>
           <a:p>
             <a:pPr lvl="3"/>
             <a:r>
-              <a:rPr lang="ru-RU" noProof="0" smtClean="0"/>
+              <a:rPr lang="ru-RU" noProof="0"/>
               <a:t>Четвертый уровень</a:t>
             </a:r>
           </a:p>
           <a:p>
             <a:pPr lvl="4"/>
             <a:r>
-              <a:rPr lang="ru-RU" noProof="0" smtClean="0"/>
+              <a:rPr lang="ru-RU" noProof="0"/>
               <a:t>Пятый уровень</a:t>
             </a:r>
-            <a:endParaRPr lang="ru-RU" noProof="0"/>
           </a:p>
         </p:txBody>
       </p:sp>
@@ -705,7 +704,7 @@
           </a:lstStyle>
           <a:p>
             <a:r>
-              <a:rPr lang="ru-RU" smtClean="0"/>
+              <a:rPr lang="ru-RU"/>
               <a:t>Образец заголовка</a:t>
             </a:r>
             <a:endParaRPr lang="en-US"/>
@@ -766,7 +765,7 @@
           </a:lstStyle>
           <a:p>
             <a:r>
-              <a:rPr lang="ru-RU" smtClean="0"/>
+              <a:rPr lang="ru-RU"/>
               <a:t>Образец подзаголовка</a:t>
             </a:r>
             <a:endParaRPr lang="en-US"/>
@@ -800,7 +799,7 @@
               <a:pPr>
                 <a:defRPr/>
               </a:pPr>
-              <a:t>24.09.2015</a:t>
+              <a:t>12.09.2023</a:t>
             </a:fld>
             <a:endParaRPr lang="ru-RU"/>
           </a:p>
@@ -870,13 +869,6 @@
   <p:clrMapOvr>
     <a:overrideClrMapping bg1="dk1" tx1="lt1" bg2="dk2" tx2="lt2" accent1="accent1" accent2="accent2" accent3="accent3" accent4="accent4" accent5="accent5" accent6="accent6" hlink="hlink" folHlink="folHlink"/>
   </p:clrMapOvr>
-  <p:timing>
-    <p:tnLst>
-      <p:par>
-        <p:cTn id="1" dur="indefinite" restart="never" nodeType="tmRoot"/>
-      </p:par>
-    </p:tnLst>
-  </p:timing>
 </p:sldLayout>
 </file>
 
@@ -913,7 +905,7 @@
           <a:lstStyle/>
           <a:p>
             <a:r>
-              <a:rPr lang="ru-RU" smtClean="0"/>
+              <a:rPr lang="ru-RU"/>
               <a:t>Образец заголовка</a:t>
             </a:r>
             <a:endParaRPr lang="en-US"/>
@@ -937,35 +929,35 @@
           <a:p>
             <a:pPr lvl="0"/>
             <a:r>
-              <a:rPr lang="ru-RU" smtClean="0"/>
+              <a:rPr lang="ru-RU"/>
               <a:t>Образец текста</a:t>
             </a:r>
           </a:p>
           <a:p>
             <a:pPr lvl="1"/>
             <a:r>
-              <a:rPr lang="ru-RU" smtClean="0"/>
+              <a:rPr lang="ru-RU"/>
               <a:t>Второй уровень</a:t>
             </a:r>
           </a:p>
           <a:p>
             <a:pPr lvl="2"/>
             <a:r>
-              <a:rPr lang="ru-RU" smtClean="0"/>
+              <a:rPr lang="ru-RU"/>
               <a:t>Третий уровень</a:t>
             </a:r>
           </a:p>
           <a:p>
             <a:pPr lvl="3"/>
             <a:r>
-              <a:rPr lang="ru-RU" smtClean="0"/>
+              <a:rPr lang="ru-RU"/>
               <a:t>Четвертый уровень</a:t>
             </a:r>
           </a:p>
           <a:p>
             <a:pPr lvl="4"/>
             <a:r>
-              <a:rPr lang="ru-RU" smtClean="0"/>
+              <a:rPr lang="ru-RU"/>
               <a:t>Пятый уровень</a:t>
             </a:r>
             <a:endParaRPr lang="en-US"/>
@@ -999,7 +991,7 @@
               <a:pPr>
                 <a:defRPr/>
               </a:pPr>
-              <a:t>24.09.2015</a:t>
+              <a:t>12.09.2023</a:t>
             </a:fld>
             <a:endParaRPr lang="ru-RU"/>
           </a:p>
@@ -1110,7 +1102,7 @@
           <a:lstStyle/>
           <a:p>
             <a:r>
-              <a:rPr lang="ru-RU" smtClean="0"/>
+              <a:rPr lang="ru-RU"/>
               <a:t>Образец заголовка</a:t>
             </a:r>
             <a:endParaRPr lang="en-US"/>
@@ -1139,35 +1131,35 @@
           <a:p>
             <a:pPr lvl="0"/>
             <a:r>
-              <a:rPr lang="ru-RU" smtClean="0"/>
+              <a:rPr lang="ru-RU"/>
               <a:t>Образец текста</a:t>
             </a:r>
           </a:p>
           <a:p>
             <a:pPr lvl="1"/>
             <a:r>
-              <a:rPr lang="ru-RU" smtClean="0"/>
+              <a:rPr lang="ru-RU"/>
               <a:t>Второй уровень</a:t>
             </a:r>
           </a:p>
           <a:p>
             <a:pPr lvl="2"/>
             <a:r>
-              <a:rPr lang="ru-RU" smtClean="0"/>
+              <a:rPr lang="ru-RU"/>
               <a:t>Третий уровень</a:t>
             </a:r>
           </a:p>
           <a:p>
             <a:pPr lvl="3"/>
             <a:r>
-              <a:rPr lang="ru-RU" smtClean="0"/>
+              <a:rPr lang="ru-RU"/>
               <a:t>Четвертый уровень</a:t>
             </a:r>
           </a:p>
           <a:p>
             <a:pPr lvl="4"/>
             <a:r>
-              <a:rPr lang="ru-RU" smtClean="0"/>
+              <a:rPr lang="ru-RU"/>
               <a:t>Пятый уровень</a:t>
             </a:r>
             <a:endParaRPr lang="en-US"/>
@@ -1201,7 +1193,7 @@
               <a:pPr>
                 <a:defRPr/>
               </a:pPr>
-              <a:t>24.09.2015</a:t>
+              <a:t>12.09.2023</a:t>
             </a:fld>
             <a:endParaRPr lang="ru-RU"/>
           </a:p>
@@ -1307,7 +1299,7 @@
           <a:lstStyle/>
           <a:p>
             <a:r>
-              <a:rPr lang="ru-RU" smtClean="0"/>
+              <a:rPr lang="ru-RU"/>
               <a:t>Образец заголовка</a:t>
             </a:r>
             <a:endParaRPr lang="en-US"/>
@@ -1331,35 +1323,35 @@
           <a:p>
             <a:pPr lvl="0"/>
             <a:r>
-              <a:rPr lang="ru-RU" dirty="0" smtClean="0"/>
+              <a:rPr lang="ru-RU" dirty="0"/>
               <a:t>Образец текста</a:t>
             </a:r>
           </a:p>
           <a:p>
             <a:pPr lvl="1"/>
             <a:r>
-              <a:rPr lang="ru-RU" dirty="0" smtClean="0"/>
+              <a:rPr lang="ru-RU" dirty="0"/>
               <a:t>Второй уровень</a:t>
             </a:r>
           </a:p>
           <a:p>
             <a:pPr lvl="2"/>
             <a:r>
-              <a:rPr lang="ru-RU" dirty="0" smtClean="0"/>
+              <a:rPr lang="ru-RU" dirty="0"/>
               <a:t>Третий уровень</a:t>
             </a:r>
           </a:p>
           <a:p>
             <a:pPr lvl="3"/>
             <a:r>
-              <a:rPr lang="ru-RU" dirty="0" smtClean="0"/>
+              <a:rPr lang="ru-RU" dirty="0"/>
               <a:t>Четвертый уровень</a:t>
             </a:r>
           </a:p>
           <a:p>
             <a:pPr lvl="4"/>
             <a:r>
-              <a:rPr lang="ru-RU" dirty="0" smtClean="0"/>
+              <a:rPr lang="ru-RU" dirty="0"/>
               <a:t>Пятый уровень</a:t>
             </a:r>
             <a:endParaRPr lang="en-US" dirty="0"/>
@@ -1393,7 +1385,7 @@
               <a:pPr>
                 <a:defRPr/>
               </a:pPr>
-              <a:t>24.09.2015</a:t>
+              <a:t>12.09.2023</a:t>
             </a:fld>
             <a:endParaRPr lang="ru-RU"/>
           </a:p>
@@ -1551,7 +1543,7 @@
           </a:lstStyle>
           <a:p>
             <a:r>
-              <a:rPr lang="ru-RU" smtClean="0"/>
+              <a:rPr lang="ru-RU"/>
               <a:t>Образец заголовка</a:t>
             </a:r>
             <a:endParaRPr lang="en-US"/>
@@ -1629,7 +1621,7 @@
           <a:p>
             <a:pPr lvl="0"/>
             <a:r>
-              <a:rPr lang="ru-RU" smtClean="0"/>
+              <a:rPr lang="ru-RU"/>
               <a:t>Образец текста</a:t>
             </a:r>
           </a:p>
@@ -1662,7 +1654,7 @@
               <a:pPr>
                 <a:defRPr/>
               </a:pPr>
-              <a:t>24.09.2015</a:t>
+              <a:t>12.09.2023</a:t>
             </a:fld>
             <a:endParaRPr lang="ru-RU"/>
           </a:p>
@@ -1732,13 +1724,6 @@
   <p:clrMapOvr>
     <a:overrideClrMapping bg1="dk1" tx1="lt1" bg2="dk2" tx2="lt2" accent1="accent1" accent2="accent2" accent3="accent3" accent4="accent4" accent5="accent5" accent6="accent6" hlink="hlink" folHlink="folHlink"/>
   </p:clrMapOvr>
-  <p:timing>
-    <p:tnLst>
-      <p:par>
-        <p:cTn id="1" dur="indefinite" restart="never" nodeType="tmRoot"/>
-      </p:par>
-    </p:tnLst>
-  </p:timing>
 </p:sldLayout>
 </file>
 
@@ -1780,7 +1765,7 @@
           <a:lstStyle/>
           <a:p>
             <a:r>
-              <a:rPr lang="ru-RU" smtClean="0"/>
+              <a:rPr lang="ru-RU"/>
               <a:t>Образец заголовка</a:t>
             </a:r>
             <a:endParaRPr lang="en-US"/>
@@ -1825,35 +1810,35 @@
           <a:p>
             <a:pPr lvl="0"/>
             <a:r>
-              <a:rPr lang="ru-RU" smtClean="0"/>
+              <a:rPr lang="ru-RU"/>
               <a:t>Образец текста</a:t>
             </a:r>
           </a:p>
           <a:p>
             <a:pPr lvl="1"/>
             <a:r>
-              <a:rPr lang="ru-RU" smtClean="0"/>
+              <a:rPr lang="ru-RU"/>
               <a:t>Второй уровень</a:t>
             </a:r>
           </a:p>
           <a:p>
             <a:pPr lvl="2"/>
             <a:r>
-              <a:rPr lang="ru-RU" smtClean="0"/>
+              <a:rPr lang="ru-RU"/>
               <a:t>Третий уровень</a:t>
             </a:r>
           </a:p>
           <a:p>
             <a:pPr lvl="3"/>
             <a:r>
-              <a:rPr lang="ru-RU" smtClean="0"/>
+              <a:rPr lang="ru-RU"/>
               <a:t>Четвертый уровень</a:t>
             </a:r>
           </a:p>
           <a:p>
             <a:pPr lvl="4"/>
             <a:r>
-              <a:rPr lang="ru-RU" smtClean="0"/>
+              <a:rPr lang="ru-RU"/>
               <a:t>Пятый уровень</a:t>
             </a:r>
             <a:endParaRPr lang="en-US"/>
@@ -1898,35 +1883,35 @@
           <a:p>
             <a:pPr lvl="0"/>
             <a:r>
-              <a:rPr lang="ru-RU" smtClean="0"/>
+              <a:rPr lang="ru-RU"/>
               <a:t>Образец текста</a:t>
             </a:r>
           </a:p>
           <a:p>
             <a:pPr lvl="1"/>
             <a:r>
-              <a:rPr lang="ru-RU" smtClean="0"/>
+              <a:rPr lang="ru-RU"/>
               <a:t>Второй уровень</a:t>
             </a:r>
           </a:p>
           <a:p>
             <a:pPr lvl="2"/>
             <a:r>
-              <a:rPr lang="ru-RU" smtClean="0"/>
+              <a:rPr lang="ru-RU"/>
               <a:t>Третий уровень</a:t>
             </a:r>
           </a:p>
           <a:p>
             <a:pPr lvl="3"/>
             <a:r>
-              <a:rPr lang="ru-RU" smtClean="0"/>
+              <a:rPr lang="ru-RU"/>
               <a:t>Четвертый уровень</a:t>
             </a:r>
           </a:p>
           <a:p>
             <a:pPr lvl="4"/>
             <a:r>
-              <a:rPr lang="ru-RU" smtClean="0"/>
+              <a:rPr lang="ru-RU"/>
               <a:t>Пятый уровень</a:t>
             </a:r>
             <a:endParaRPr lang="en-US"/>
@@ -1960,7 +1945,7 @@
               <a:pPr>
                 <a:defRPr/>
               </a:pPr>
-              <a:t>24.09.2015</a:t>
+              <a:t>12.09.2023</a:t>
             </a:fld>
             <a:endParaRPr lang="ru-RU"/>
           </a:p>
@@ -2075,7 +2060,7 @@
           </a:lstStyle>
           <a:p>
             <a:r>
-              <a:rPr lang="ru-RU" smtClean="0"/>
+              <a:rPr lang="ru-RU"/>
               <a:t>Образец заголовка</a:t>
             </a:r>
             <a:endParaRPr lang="en-US"/>
@@ -2132,7 +2117,7 @@
           <a:p>
             <a:pPr lvl="0"/>
             <a:r>
-              <a:rPr lang="ru-RU" smtClean="0"/>
+              <a:rPr lang="ru-RU"/>
               <a:t>Образец текста</a:t>
             </a:r>
           </a:p>
@@ -2186,7 +2171,7 @@
           <a:p>
             <a:pPr lvl="0"/>
             <a:r>
-              <a:rPr lang="ru-RU" smtClean="0"/>
+              <a:rPr lang="ru-RU"/>
               <a:t>Образец текста</a:t>
             </a:r>
           </a:p>
@@ -2230,35 +2215,35 @@
           <a:p>
             <a:pPr lvl="0"/>
             <a:r>
-              <a:rPr lang="ru-RU" smtClean="0"/>
+              <a:rPr lang="ru-RU"/>
               <a:t>Образец текста</a:t>
             </a:r>
           </a:p>
           <a:p>
             <a:pPr lvl="1"/>
             <a:r>
-              <a:rPr lang="ru-RU" smtClean="0"/>
+              <a:rPr lang="ru-RU"/>
               <a:t>Второй уровень</a:t>
             </a:r>
           </a:p>
           <a:p>
             <a:pPr lvl="2"/>
             <a:r>
-              <a:rPr lang="ru-RU" smtClean="0"/>
+              <a:rPr lang="ru-RU"/>
               <a:t>Третий уровень</a:t>
             </a:r>
           </a:p>
           <a:p>
             <a:pPr lvl="3"/>
             <a:r>
-              <a:rPr lang="ru-RU" smtClean="0"/>
+              <a:rPr lang="ru-RU"/>
               <a:t>Четвертый уровень</a:t>
             </a:r>
           </a:p>
           <a:p>
             <a:pPr lvl="4"/>
             <a:r>
-              <a:rPr lang="ru-RU" smtClean="0"/>
+              <a:rPr lang="ru-RU"/>
               <a:t>Пятый уровень</a:t>
             </a:r>
             <a:endParaRPr lang="en-US"/>
@@ -2303,35 +2288,35 @@
           <a:p>
             <a:pPr lvl="0"/>
             <a:r>
-              <a:rPr lang="ru-RU" smtClean="0"/>
+              <a:rPr lang="ru-RU"/>
               <a:t>Образец текста</a:t>
             </a:r>
           </a:p>
           <a:p>
             <a:pPr lvl="1"/>
             <a:r>
-              <a:rPr lang="ru-RU" smtClean="0"/>
+              <a:rPr lang="ru-RU"/>
               <a:t>Второй уровень</a:t>
             </a:r>
           </a:p>
           <a:p>
             <a:pPr lvl="2"/>
             <a:r>
-              <a:rPr lang="ru-RU" smtClean="0"/>
+              <a:rPr lang="ru-RU"/>
               <a:t>Третий уровень</a:t>
             </a:r>
           </a:p>
           <a:p>
             <a:pPr lvl="3"/>
             <a:r>
-              <a:rPr lang="ru-RU" smtClean="0"/>
+              <a:rPr lang="ru-RU"/>
               <a:t>Четвертый уровень</a:t>
             </a:r>
           </a:p>
           <a:p>
             <a:pPr lvl="4"/>
             <a:r>
-              <a:rPr lang="ru-RU" smtClean="0"/>
+              <a:rPr lang="ru-RU"/>
               <a:t>Пятый уровень</a:t>
             </a:r>
             <a:endParaRPr lang="en-US"/>
@@ -2365,7 +2350,7 @@
               <a:pPr>
                 <a:defRPr/>
               </a:pPr>
-              <a:t>24.09.2015</a:t>
+              <a:t>12.09.2023</a:t>
             </a:fld>
             <a:endParaRPr lang="ru-RU"/>
           </a:p>
@@ -2508,7 +2493,7 @@
           </a:lstStyle>
           <a:p>
             <a:r>
-              <a:rPr lang="ru-RU" smtClean="0"/>
+              <a:rPr lang="ru-RU"/>
               <a:t>Образец заголовка</a:t>
             </a:r>
             <a:endParaRPr lang="en-US"/>
@@ -2542,7 +2527,7 @@
               <a:pPr>
                 <a:defRPr/>
               </a:pPr>
-              <a:t>24.09.2015</a:t>
+              <a:t>12.09.2023</a:t>
             </a:fld>
             <a:endParaRPr lang="ru-RU"/>
           </a:p>
@@ -2659,7 +2644,7 @@
               <a:pPr>
                 <a:defRPr/>
               </a:pPr>
-              <a:t>24.09.2015</a:t>
+              <a:t>12.09.2023</a:t>
             </a:fld>
             <a:endParaRPr lang="ru-RU"/>
           </a:p>
@@ -2791,7 +2776,7 @@
           </a:lstStyle>
           <a:p>
             <a:r>
-              <a:rPr lang="ru-RU" smtClean="0"/>
+              <a:rPr lang="ru-RU"/>
               <a:t>Образец заголовка</a:t>
             </a:r>
             <a:endParaRPr lang="en-US"/>
@@ -2841,7 +2826,7 @@
           <a:p>
             <a:pPr lvl="0"/>
             <a:r>
-              <a:rPr lang="ru-RU" smtClean="0"/>
+              <a:rPr lang="ru-RU"/>
               <a:t>Образец текста</a:t>
             </a:r>
           </a:p>
@@ -2885,35 +2870,35 @@
           <a:p>
             <a:pPr lvl="0"/>
             <a:r>
-              <a:rPr lang="ru-RU" smtClean="0"/>
+              <a:rPr lang="ru-RU"/>
               <a:t>Образец текста</a:t>
             </a:r>
           </a:p>
           <a:p>
             <a:pPr lvl="1"/>
             <a:r>
-              <a:rPr lang="ru-RU" smtClean="0"/>
+              <a:rPr lang="ru-RU"/>
               <a:t>Второй уровень</a:t>
             </a:r>
           </a:p>
           <a:p>
             <a:pPr lvl="2"/>
             <a:r>
-              <a:rPr lang="ru-RU" smtClean="0"/>
+              <a:rPr lang="ru-RU"/>
               <a:t>Третий уровень</a:t>
             </a:r>
           </a:p>
           <a:p>
             <a:pPr lvl="3"/>
             <a:r>
-              <a:rPr lang="ru-RU" smtClean="0"/>
+              <a:rPr lang="ru-RU"/>
               <a:t>Четвертый уровень</a:t>
             </a:r>
           </a:p>
           <a:p>
             <a:pPr lvl="4"/>
             <a:r>
-              <a:rPr lang="ru-RU" smtClean="0"/>
+              <a:rPr lang="ru-RU"/>
               <a:t>Пятый уровень</a:t>
             </a:r>
             <a:endParaRPr lang="en-US"/>
@@ -2947,7 +2932,7 @@
               <a:pPr>
                 <a:defRPr/>
               </a:pPr>
-              <a:t>24.09.2015</a:t>
+              <a:t>12.09.2023</a:t>
             </a:fld>
             <a:endParaRPr lang="ru-RU"/>
           </a:p>
@@ -3457,7 +3442,7 @@
           </a:lstStyle>
           <a:p>
             <a:r>
-              <a:rPr lang="ru-RU" smtClean="0"/>
+              <a:rPr lang="ru-RU"/>
               <a:t>Образец заголовка</a:t>
             </a:r>
             <a:endParaRPr lang="en-US"/>
@@ -3507,7 +3492,7 @@
           <a:p>
             <a:pPr lvl="0"/>
             <a:r>
-              <a:rPr lang="ru-RU" smtClean="0"/>
+              <a:rPr lang="ru-RU"/>
               <a:t>Образец текста</a:t>
             </a:r>
           </a:p>
@@ -3555,7 +3540,7 @@
           <a:p>
             <a:pPr lvl="0"/>
             <a:r>
-              <a:rPr lang="ru-RU" noProof="0" smtClean="0"/>
+              <a:rPr lang="ru-RU" noProof="0"/>
               <a:t>Вставка рисунка</a:t>
             </a:r>
             <a:endParaRPr lang="en-US" noProof="0" dirty="0"/>
@@ -3589,7 +3574,7 @@
               <a:pPr>
                 <a:defRPr/>
               </a:pPr>
-              <a:t>24.09.2015</a:t>
+              <a:t>12.09.2023</a:t>
             </a:fld>
             <a:endParaRPr lang="ru-RU"/>
           </a:p>
@@ -3987,10 +3972,10 @@
           <a:p>
             <a:pPr lvl="0"/>
             <a:r>
-              <a:rPr lang="ru-RU" smtClean="0"/>
+              <a:rPr lang="ru-RU"/>
               <a:t>Образец заголовка</a:t>
             </a:r>
-            <a:endParaRPr lang="en-US" smtClean="0"/>
+            <a:endParaRPr lang="en-US"/>
           </a:p>
         </p:txBody>
       </p:sp>
@@ -4030,38 +4015,38 @@
           <a:p>
             <a:pPr lvl="0"/>
             <a:r>
-              <a:rPr lang="ru-RU" smtClean="0"/>
+              <a:rPr lang="ru-RU"/>
               <a:t>Образец текста</a:t>
             </a:r>
           </a:p>
           <a:p>
             <a:pPr lvl="1"/>
             <a:r>
-              <a:rPr lang="ru-RU" smtClean="0"/>
+              <a:rPr lang="ru-RU"/>
               <a:t>Второй уровень</a:t>
             </a:r>
           </a:p>
           <a:p>
             <a:pPr lvl="2"/>
             <a:r>
-              <a:rPr lang="ru-RU" smtClean="0"/>
+              <a:rPr lang="ru-RU"/>
               <a:t>Третий уровень</a:t>
             </a:r>
           </a:p>
           <a:p>
             <a:pPr lvl="3"/>
             <a:r>
-              <a:rPr lang="ru-RU" smtClean="0"/>
+              <a:rPr lang="ru-RU"/>
               <a:t>Четвертый уровень</a:t>
             </a:r>
           </a:p>
           <a:p>
             <a:pPr lvl="4"/>
             <a:r>
-              <a:rPr lang="ru-RU" smtClean="0"/>
+              <a:rPr lang="ru-RU"/>
               <a:t>Пятый уровень</a:t>
             </a:r>
-            <a:endParaRPr lang="en-US" smtClean="0"/>
+            <a:endParaRPr lang="en-US"/>
           </a:p>
         </p:txBody>
       </p:sp>
@@ -4113,7 +4098,7 @@
               <a:pPr>
                 <a:defRPr/>
               </a:pPr>
-              <a:t>24.09.2015</a:t>
+              <a:t>12.09.2023</a:t>
             </a:fld>
             <a:endParaRPr lang="ru-RU"/>
           </a:p>
@@ -4474,13 +4459,6 @@
     <p:sldLayoutId id="2147483754" r:id="rId10"/>
     <p:sldLayoutId id="2147483755" r:id="rId11"/>
   </p:sldLayoutIdLst>
-  <p:timing>
-    <p:tnLst>
-      <p:par>
-        <p:cTn id="1" dur="indefinite" restart="never" nodeType="tmRoot"/>
-      </p:par>
-    </p:tnLst>
-  </p:timing>
   <p:hf hdr="0" ftr="0"/>
   <p:txStyles>
     <p:titleStyle>
@@ -4975,34 +4953,27 @@
           <a:p>
             <a:pPr marR="0" algn="ctr"/>
             <a:r>
-              <a:rPr lang="ru-RU" sz="3200" b="1" dirty="0" smtClean="0">
+              <a:rPr lang="ru-RU" sz="3200" b="1" dirty="0">
                 <a:ea typeface="Calibri" pitchFamily="34" charset="0"/>
                 <a:cs typeface="Calibri" pitchFamily="34" charset="0"/>
               </a:rPr>
               <a:t>Преподаватели</a:t>
             </a:r>
             <a:r>
-              <a:rPr lang="ru-RU" sz="3200" b="1" smtClean="0">
+              <a:rPr lang="ru-RU" sz="3200" b="1">
                 <a:ea typeface="Calibri" pitchFamily="34" charset="0"/>
                 <a:cs typeface="Calibri" pitchFamily="34" charset="0"/>
               </a:rPr>
-              <a:t>: </a:t>
-            </a:r>
-            <a:r>
-              <a:rPr lang="ru-RU" sz="3200" b="1" smtClean="0">
-                <a:ea typeface="Calibri" pitchFamily="34" charset="0"/>
-                <a:cs typeface="Calibri" pitchFamily="34" charset="0"/>
-              </a:rPr>
-              <a:t>Эпштейн </a:t>
-            </a:r>
-            <a:r>
-              <a:rPr lang="ru-RU" sz="3200" b="1" dirty="0" smtClean="0">
+              <a:t>: Эпштейн </a:t>
+            </a:r>
+            <a:r>
+              <a:rPr lang="ru-RU" sz="3200" b="1" dirty="0">
                 <a:ea typeface="Calibri" pitchFamily="34" charset="0"/>
                 <a:cs typeface="Calibri" pitchFamily="34" charset="0"/>
               </a:rPr>
               <a:t>Леонид Борисович</a:t>
             </a:r>
-            <a:endParaRPr lang="ru-RU" sz="3200" dirty="0" smtClean="0">
+            <a:endParaRPr lang="ru-RU" sz="3200" dirty="0">
               <a:ea typeface="Calibri" pitchFamily="34" charset="0"/>
               <a:cs typeface="Calibri" pitchFamily="34" charset="0"/>
             </a:endParaRPr>
@@ -5014,13 +4985,6 @@
   <p:clrMapOvr>
     <a:masterClrMapping/>
   </p:clrMapOvr>
-  <p:timing>
-    <p:tnLst>
-      <p:par>
-        <p:cTn id="1" dur="indefinite" restart="never" nodeType="tmRoot"/>
-      </p:par>
-    </p:tnLst>
-  </p:timing>
 </p:sld>
 </file>
 
@@ -5078,7 +5042,7 @@
               <a:t>Работа с </a:t>
             </a:r>
             <a:r>
-              <a:rPr lang="en-US" sz="4000" b="1" u="sng" dirty="0" smtClean="0">
+              <a:rPr lang="en-US" sz="4000" b="1" u="sng" dirty="0">
                 <a:latin typeface="+mj-lt"/>
               </a:rPr>
               <a:t>MATLAB</a:t>
@@ -5122,13 +5086,13 @@
           <a:p>
             <a:pPr indent="266700"/>
             <a:r>
-              <a:rPr lang="ru-RU" u="sng"/>
+              <a:rPr lang="ru-RU" u="sng" dirty="0"/>
               <a:t>Формат чисел: </a:t>
             </a:r>
           </a:p>
           <a:p>
             <a:pPr indent="266700"/>
-            <a:endParaRPr lang="ru-RU" u="sng"/>
+            <a:endParaRPr lang="ru-RU" u="sng" dirty="0"/>
           </a:p>
           <a:p>
             <a:pPr indent="266700">
@@ -5136,18 +5100,26 @@
               <a:buChar char="•"/>
             </a:pPr>
             <a:r>
-              <a:rPr lang="ru-RU"/>
+              <a:rPr lang="ru-RU" dirty="0"/>
               <a:t> </a:t>
             </a:r>
             <a:r>
-              <a:rPr lang="en-US"/>
-              <a:t>format chort	 </a:t>
-            </a:r>
-            <a:r>
-              <a:rPr lang="ru-RU"/>
+              <a:rPr lang="en-US" dirty="0"/>
+              <a:t>format </a:t>
+            </a:r>
+            <a:r>
+              <a:rPr lang="en-US" dirty="0" err="1"/>
+              <a:t>chort</a:t>
+            </a:r>
+            <a:r>
+              <a:rPr lang="en-US" dirty="0"/>
+              <a:t>	 </a:t>
+            </a:r>
+            <a:r>
+              <a:rPr lang="ru-RU" dirty="0"/>
               <a:t>– короткое представление, 5 знаков числа;</a:t>
             </a:r>
-            <a:endParaRPr lang="en-US"/>
+            <a:endParaRPr lang="en-US" dirty="0"/>
           </a:p>
           <a:p>
             <a:pPr indent="266700">
@@ -5155,14 +5127,22 @@
               <a:buChar char="•"/>
             </a:pPr>
             <a:r>
-              <a:rPr lang="en-US"/>
-              <a:t> format chort e	 </a:t>
-            </a:r>
-            <a:r>
-              <a:rPr lang="ru-RU"/>
+              <a:rPr lang="en-US" dirty="0"/>
+              <a:t> format </a:t>
+            </a:r>
+            <a:r>
+              <a:rPr lang="en-US" dirty="0" err="1"/>
+              <a:t>chort</a:t>
+            </a:r>
+            <a:r>
+              <a:rPr lang="en-US" dirty="0"/>
+              <a:t> e	 </a:t>
+            </a:r>
+            <a:r>
+              <a:rPr lang="ru-RU" dirty="0"/>
               <a:t>– короткое представление в экспоненциальной форме, 5 знаков мантиссы, 3 знака порядка;</a:t>
             </a:r>
-            <a:endParaRPr lang="en-US"/>
+            <a:endParaRPr lang="en-US" dirty="0"/>
           </a:p>
           <a:p>
             <a:pPr indent="266700">
@@ -5170,14 +5150,14 @@
               <a:buChar char="•"/>
             </a:pPr>
             <a:r>
-              <a:rPr lang="en-US"/>
+              <a:rPr lang="en-US" dirty="0"/>
               <a:t> format long	 </a:t>
             </a:r>
             <a:r>
-              <a:rPr lang="ru-RU"/>
+              <a:rPr lang="ru-RU" dirty="0"/>
               <a:t>– длинное представление, 15 знаков числа;</a:t>
             </a:r>
-            <a:endParaRPr lang="en-US"/>
+            <a:endParaRPr lang="en-US" dirty="0"/>
           </a:p>
           <a:p>
             <a:pPr indent="266700">
@@ -5185,14 +5165,14 @@
               <a:buChar char="•"/>
             </a:pPr>
             <a:r>
-              <a:rPr lang="en-US"/>
+              <a:rPr lang="en-US" dirty="0"/>
               <a:t> format long e	 </a:t>
             </a:r>
             <a:r>
-              <a:rPr lang="ru-RU"/>
+              <a:rPr lang="ru-RU" dirty="0"/>
               <a:t>– длинное представление в экспоненциальной форме, 15 знаков мантиссы, 3 знака порядка;</a:t>
             </a:r>
-            <a:endParaRPr lang="en-US"/>
+            <a:endParaRPr lang="en-US" dirty="0"/>
           </a:p>
           <a:p>
             <a:pPr indent="266700">
@@ -5200,14 +5180,14 @@
               <a:buChar char="•"/>
             </a:pPr>
             <a:r>
-              <a:rPr lang="en-US"/>
+              <a:rPr lang="en-US" dirty="0"/>
               <a:t> format hex	 </a:t>
             </a:r>
             <a:r>
-              <a:rPr lang="ru-RU"/>
+              <a:rPr lang="ru-RU" dirty="0"/>
               <a:t>– шестнадцатеричный формат;</a:t>
             </a:r>
-            <a:endParaRPr lang="en-US"/>
+            <a:endParaRPr lang="en-US" dirty="0"/>
           </a:p>
           <a:p>
             <a:pPr indent="266700">
@@ -5215,11 +5195,11 @@
               <a:buChar char="•"/>
             </a:pPr>
             <a:r>
-              <a:rPr lang="en-US"/>
+              <a:rPr lang="en-US" dirty="0"/>
               <a:t> format bank	 </a:t>
             </a:r>
             <a:r>
-              <a:rPr lang="ru-RU"/>
+              <a:rPr lang="ru-RU" dirty="0"/>
               <a:t>– денежный формат (2 знака после точки).</a:t>
             </a:r>
           </a:p>
@@ -5228,18 +5208,18 @@
               <a:buFontTx/>
               <a:buChar char="•"/>
             </a:pPr>
-            <a:endParaRPr lang="ru-RU"/>
+            <a:endParaRPr lang="ru-RU" dirty="0"/>
           </a:p>
           <a:p>
             <a:pPr indent="266700"/>
             <a:r>
-              <a:rPr lang="ru-RU" u="sng"/>
+              <a:rPr lang="ru-RU" u="sng" dirty="0"/>
               <a:t>Встроенные функции: </a:t>
             </a:r>
           </a:p>
           <a:p>
             <a:pPr indent="266700"/>
-            <a:endParaRPr lang="ru-RU"/>
+            <a:endParaRPr lang="ru-RU" dirty="0"/>
           </a:p>
           <a:p>
             <a:pPr indent="266700">
@@ -5247,19 +5227,19 @@
               <a:buChar char="•"/>
             </a:pPr>
             <a:r>
-              <a:rPr lang="da-DK"/>
+              <a:rPr lang="da-DK" dirty="0"/>
               <a:t>sqrt, log, exp</a:t>
             </a:r>
             <a:r>
-              <a:rPr lang="ru-RU"/>
+              <a:rPr lang="ru-RU" dirty="0"/>
               <a:t>,</a:t>
             </a:r>
             <a:r>
-              <a:rPr lang="da-DK"/>
+              <a:rPr lang="da-DK" dirty="0"/>
               <a:t> cos, sin, tan и atan </a:t>
             </a:r>
             <a:r>
-              <a:rPr lang="ru-RU"/>
+              <a:rPr lang="ru-RU" dirty="0"/>
               <a:t>(для тригонометрических функций параметры задаются в радианах, а не в градусах)</a:t>
             </a:r>
           </a:p>
@@ -5269,8 +5249,12 @@
               <a:buChar char="•"/>
             </a:pPr>
             <a:r>
-              <a:rPr lang="ru-RU"/>
-              <a:t>whos – вывод списка используемых переменных и их параметров</a:t>
+              <a:rPr lang="ru-RU" dirty="0" err="1"/>
+              <a:t>whos</a:t>
+            </a:r>
+            <a:r>
+              <a:rPr lang="ru-RU" dirty="0"/>
+              <a:t> – вывод списка используемых переменных и их параметров</a:t>
             </a:r>
           </a:p>
           <a:p>
@@ -5278,7 +5262,7 @@
               <a:buFontTx/>
               <a:buChar char="•"/>
             </a:pPr>
-            <a:endParaRPr lang="ru-RU"/>
+            <a:endParaRPr lang="ru-RU" dirty="0"/>
           </a:p>
         </p:txBody>
       </p:sp>
@@ -5344,7 +5328,7 @@
               <a:t>Работа с </a:t>
             </a:r>
             <a:r>
-              <a:rPr lang="en-US" sz="4000" b="1" u="sng" smtClean="0">
+              <a:rPr lang="en-US" sz="4000" b="1" u="sng">
                 <a:latin typeface="+mj-lt"/>
               </a:rPr>
               <a:t>MATLAB</a:t>
@@ -5388,13 +5372,13 @@
           <a:p>
             <a:pPr indent="266700"/>
             <a:r>
-              <a:rPr lang="ru-RU" u="sng"/>
+              <a:rPr lang="ru-RU" u="sng" dirty="0"/>
               <a:t>Функции работы с графиками: </a:t>
             </a:r>
           </a:p>
           <a:p>
             <a:pPr indent="266700"/>
-            <a:endParaRPr lang="ru-RU" u="sng"/>
+            <a:endParaRPr lang="ru-RU" u="sng" dirty="0"/>
           </a:p>
           <a:p>
             <a:pPr indent="266700">
@@ -5402,39 +5386,47 @@
               <a:buChar char="•"/>
             </a:pPr>
             <a:r>
-              <a:rPr lang="ru-RU"/>
-              <a:t> ezplot (</a:t>
-            </a:r>
-            <a:r>
-              <a:rPr lang="en-US"/>
+              <a:rPr lang="ru-RU" dirty="0"/>
+              <a:t> </a:t>
+            </a:r>
+            <a:r>
+              <a:rPr lang="ru-RU" dirty="0" err="1"/>
+              <a:t>ezplot</a:t>
+            </a:r>
+            <a:r>
+              <a:rPr lang="ru-RU" dirty="0"/>
+              <a:t> (</a:t>
+            </a:r>
+            <a:r>
+              <a:rPr lang="en-US" dirty="0"/>
               <a:t>‘f(x)’,[a b]</a:t>
             </a:r>
             <a:r>
-              <a:rPr lang="ru-RU"/>
+              <a:rPr lang="ru-RU" dirty="0"/>
               <a:t>)</a:t>
             </a:r>
             <a:r>
-              <a:rPr lang="en-US"/>
+              <a:rPr lang="en-US" dirty="0"/>
               <a:t> – </a:t>
             </a:r>
             <a:r>
-              <a:rPr lang="ru-RU"/>
+              <a:rPr lang="ru-RU" dirty="0"/>
               <a:t>простейшее построение графика функции </a:t>
             </a:r>
             <a:r>
-              <a:rPr lang="en-US"/>
+              <a:rPr lang="en-US" dirty="0"/>
               <a:t>f(x)</a:t>
             </a:r>
             <a:r>
-              <a:rPr lang="ru-RU"/>
+              <a:rPr lang="ru-RU" dirty="0"/>
               <a:t> на диапазоне </a:t>
             </a:r>
             <a:r>
-              <a:rPr lang="en-US"/>
+              <a:rPr lang="en-US" dirty="0"/>
               <a:t>a-b</a:t>
             </a:r>
             <a:r>
-              <a:rPr lang="ru-RU"/>
+              <a:rPr lang="ru-RU" dirty="0"/>
               <a:t>. </a:t>
             </a:r>
           </a:p>
@@ -5444,37 +5436,53 @@
               <a:buChar char="•"/>
             </a:pPr>
             <a:r>
-              <a:rPr lang="ru-RU"/>
-              <a:t>plot (</a:t>
-            </a:r>
-            <a:r>
-              <a:rPr lang="en-US"/>
+              <a:rPr lang="ru-RU" dirty="0" err="1"/>
+              <a:t>plot</a:t>
+            </a:r>
+            <a:r>
+              <a:rPr lang="ru-RU" dirty="0"/>
+              <a:t> (</a:t>
+            </a:r>
+            <a:r>
+              <a:rPr lang="en-US" dirty="0"/>
               <a:t>X, Y</a:t>
             </a:r>
             <a:r>
-              <a:rPr lang="ru-RU"/>
+              <a:rPr lang="ru-RU" dirty="0"/>
               <a:t>), где X и Y являются векторами одинаковой длины. </a:t>
             </a:r>
           </a:p>
           <a:p>
             <a:pPr indent="266700"/>
             <a:r>
-              <a:rPr lang="ru-RU"/>
+              <a:rPr lang="ru-RU" dirty="0"/>
               <a:t>Пример: </a:t>
             </a:r>
             <a:r>
+              <a:rPr lang="es-ES" dirty="0"/>
+              <a:t>X = [1 2 3]; Y = [4 </a:t>
+            </a:r>
+            <a:r>
               <a:rPr lang="es-ES"/>
-              <a:t>X = [1 2 3]; Y = [4 6 51; plot (</a:t>
-            </a:r>
-            <a:r>
-              <a:rPr lang="ru-RU"/>
+              <a:t>6 51]; </a:t>
+            </a:r>
+            <a:r>
+              <a:rPr lang="es-ES" dirty="0" err="1"/>
+              <a:t>plot</a:t>
+            </a:r>
+            <a:r>
+              <a:rPr lang="es-ES" dirty="0"/>
+              <a:t> (</a:t>
+            </a:r>
+            <a:r>
+              <a:rPr lang="ru-RU" dirty="0"/>
               <a:t>Х,</a:t>
             </a:r>
             <a:r>
-              <a:rPr lang="es-ES"/>
+              <a:rPr lang="es-ES" dirty="0"/>
               <a:t> Y)</a:t>
             </a:r>
-            <a:endParaRPr lang="ru-RU"/>
+            <a:endParaRPr lang="ru-RU" dirty="0"/>
           </a:p>
           <a:p>
             <a:pPr indent="266700">
@@ -5482,22 +5490,26 @@
               <a:buChar char="•"/>
             </a:pPr>
             <a:r>
-              <a:rPr lang="ru-RU"/>
-              <a:t>plot (X,</a:t>
-            </a:r>
-            <a:r>
-              <a:rPr lang="en-US"/>
+              <a:rPr lang="ru-RU" dirty="0" err="1"/>
+              <a:t>plot</a:t>
+            </a:r>
+            <a:r>
+              <a:rPr lang="ru-RU" dirty="0"/>
+              <a:t> (X,</a:t>
+            </a:r>
+            <a:r>
+              <a:rPr lang="en-US" dirty="0"/>
               <a:t>f(X)</a:t>
             </a:r>
             <a:r>
-              <a:rPr lang="ru-RU"/>
+              <a:rPr lang="ru-RU" dirty="0"/>
               <a:t>), где сначала нужно определить Х как вектор - X = 0:0.01:10.</a:t>
             </a:r>
           </a:p>
           <a:p>
             <a:pPr indent="266700"/>
             <a:r>
-              <a:rPr lang="ru-RU"/>
+              <a:rPr lang="ru-RU" dirty="0"/>
               <a:t> </a:t>
             </a:r>
           </a:p>
@@ -5590,7 +5602,7 @@
               <a:pPr>
                 <a:defRPr/>
               </a:pPr>
-              <a:t>24.09.2015</a:t>
+              <a:t>12.09.2023</a:t>
             </a:fld>
             <a:endParaRPr lang="ru-RU" dirty="0"/>
           </a:p>
@@ -7455,13 +7467,6 @@
   <p:clrMapOvr>
     <a:masterClrMapping/>
   </p:clrMapOvr>
-  <p:timing>
-    <p:tnLst>
-      <p:par>
-        <p:cTn id="1" dur="indefinite" restart="never" nodeType="tmRoot"/>
-      </p:par>
-    </p:tnLst>
-  </p:timing>
 </p:sld>
 </file>
 
@@ -7544,7 +7549,7 @@
               <a:pPr>
                 <a:defRPr/>
               </a:pPr>
-              <a:t>24.09.2015</a:t>
+              <a:t>12.09.2023</a:t>
             </a:fld>
             <a:endParaRPr lang="ru-RU" dirty="0"/>
           </a:p>
@@ -9409,13 +9414,6 @@
   <p:clrMapOvr>
     <a:masterClrMapping/>
   </p:clrMapOvr>
-  <p:timing>
-    <p:tnLst>
-      <p:par>
-        <p:cTn id="1" dur="indefinite" restart="never" nodeType="tmRoot"/>
-      </p:par>
-    </p:tnLst>
-  </p:timing>
 </p:sld>
 </file>
 
@@ -9459,7 +9457,7 @@
               <a:pPr>
                 <a:defRPr/>
               </a:pPr>
-              <a:t>24.09.2015</a:t>
+              <a:t>12.09.2023</a:t>
             </a:fld>
             <a:endParaRPr lang="ru-RU"/>
           </a:p>
@@ -9600,13 +9598,6 @@
   <p:clrMapOvr>
     <a:masterClrMapping/>
   </p:clrMapOvr>
-  <p:timing>
-    <p:tnLst>
-      <p:par>
-        <p:cTn id="1" dur="indefinite" restart="never" nodeType="tmRoot"/>
-      </p:par>
-    </p:tnLst>
-  </p:timing>
 </p:sld>
 </file>
 
@@ -9689,7 +9680,7 @@
               <a:pPr>
                 <a:defRPr/>
               </a:pPr>
-              <a:t>24.09.2015</a:t>
+              <a:t>12.09.2023</a:t>
             </a:fld>
             <a:endParaRPr lang="ru-RU" dirty="0"/>
           </a:p>
@@ -9841,13 +9832,6 @@
   <p:clrMapOvr>
     <a:masterClrMapping/>
   </p:clrMapOvr>
-  <p:timing>
-    <p:tnLst>
-      <p:par>
-        <p:cTn id="1" dur="indefinite" restart="never" nodeType="tmRoot"/>
-      </p:par>
-    </p:tnLst>
-  </p:timing>
 </p:sld>
 </file>
 
@@ -9891,7 +9875,7 @@
               <a:pPr>
                 <a:defRPr/>
               </a:pPr>
-              <a:t>24.09.2015</a:t>
+              <a:t>12.09.2023</a:t>
             </a:fld>
             <a:endParaRPr lang="ru-RU"/>
           </a:p>
@@ -9963,7 +9947,7 @@
               <a:t>Работа с </a:t>
             </a:r>
             <a:r>
-              <a:rPr lang="en-US" sz="4000" b="1" u="sng" dirty="0" smtClean="0">
+              <a:rPr lang="en-US" sz="4000" b="1" u="sng" dirty="0">
                 <a:latin typeface="+mj-lt"/>
               </a:rPr>
               <a:t>MATLAB</a:t>
@@ -10522,7 +10506,7 @@
               <a:pPr>
                 <a:defRPr/>
               </a:pPr>
-              <a:t>24.09.2015</a:t>
+              <a:t>12.09.2023</a:t>
             </a:fld>
             <a:endParaRPr lang="ru-RU"/>
           </a:p>
@@ -10594,7 +10578,7 @@
               <a:t>Работа с </a:t>
             </a:r>
             <a:r>
-              <a:rPr lang="en-US" sz="4000" b="1" u="sng" dirty="0" smtClean="0">
+              <a:rPr lang="en-US" sz="4000" b="1" u="sng" dirty="0">
                 <a:latin typeface="+mj-lt"/>
               </a:rPr>
               <a:t>MATLAB</a:t>
@@ -11026,7 +11010,7 @@
               <a:t>Работа с </a:t>
             </a:r>
             <a:r>
-              <a:rPr lang="en-US" sz="4000" b="1" u="sng" dirty="0" smtClean="0">
+              <a:rPr lang="en-US" sz="4000" b="1" u="sng" dirty="0">
                 <a:latin typeface="+mj-lt"/>
               </a:rPr>
               <a:t>MATLAB</a:t>
@@ -11436,7 +11420,7 @@
               <a:t>Работа с </a:t>
             </a:r>
             <a:r>
-              <a:rPr lang="en-US" sz="4000" b="1" u="sng" dirty="0" smtClean="0">
+              <a:rPr lang="en-US" sz="4000" b="1" u="sng" dirty="0">
                 <a:latin typeface="+mj-lt"/>
               </a:rPr>
               <a:t>MATLAB</a:t>
@@ -11480,13 +11464,13 @@
           <a:p>
             <a:pPr indent="266700"/>
             <a:r>
-              <a:rPr lang="ru-RU" u="sng"/>
+              <a:rPr lang="ru-RU" u="sng" dirty="0"/>
               <a:t>Некоторый синтаксис: </a:t>
             </a:r>
           </a:p>
           <a:p>
             <a:pPr indent="266700"/>
-            <a:endParaRPr lang="ru-RU" u="sng"/>
+            <a:endParaRPr lang="ru-RU" u="sng" dirty="0"/>
           </a:p>
           <a:p>
             <a:pPr indent="266700">
@@ -11494,7 +11478,7 @@
               <a:buChar char="•"/>
             </a:pPr>
             <a:r>
-              <a:rPr lang="ru-RU"/>
+              <a:rPr lang="ru-RU" dirty="0"/>
               <a:t> % 	– комментарий</a:t>
             </a:r>
           </a:p>
@@ -11504,7 +11488,7 @@
               <a:buChar char="•"/>
             </a:pPr>
             <a:r>
-              <a:rPr lang="ru-RU"/>
+              <a:rPr lang="ru-RU" dirty="0"/>
               <a:t>%% 	– разделение файла на блоки</a:t>
             </a:r>
           </a:p>
@@ -11514,27 +11498,27 @@
               <a:buChar char="•"/>
             </a:pPr>
             <a:r>
-              <a:rPr lang="ru-RU"/>
+              <a:rPr lang="ru-RU" dirty="0"/>
               <a:t> </a:t>
             </a:r>
             <a:r>
-              <a:rPr lang="en-US"/>
+              <a:rPr lang="en-US" dirty="0" err="1"/>
               <a:t>i</a:t>
             </a:r>
             <a:r>
-              <a:rPr lang="ru-RU"/>
+              <a:rPr lang="ru-RU" dirty="0"/>
               <a:t>:</a:t>
             </a:r>
             <a:r>
-              <a:rPr lang="en-US"/>
+              <a:rPr lang="en-US" dirty="0"/>
               <a:t>k</a:t>
             </a:r>
             <a:r>
-              <a:rPr lang="ru-RU"/>
+              <a:rPr lang="ru-RU" dirty="0"/>
               <a:t> 	– аналог вектора </a:t>
             </a:r>
             <a:r>
-              <a:rPr lang="en-US"/>
+              <a:rPr lang="en-US" dirty="0"/>
               <a:t>[i,i+1,i+2,…,k]</a:t>
             </a:r>
           </a:p>
@@ -11544,46 +11528,46 @@
               <a:buChar char="•"/>
             </a:pPr>
             <a:r>
-              <a:rPr lang="ru-RU"/>
+              <a:rPr lang="ru-RU" dirty="0"/>
               <a:t> </a:t>
             </a:r>
             <a:r>
-              <a:rPr lang="en-US"/>
+              <a:rPr lang="en-US" dirty="0" err="1"/>
               <a:t>i</a:t>
             </a:r>
             <a:r>
-              <a:rPr lang="ru-RU"/>
+              <a:rPr lang="ru-RU" dirty="0"/>
               <a:t>:</a:t>
             </a:r>
             <a:r>
-              <a:rPr lang="en-US"/>
+              <a:rPr lang="en-US" dirty="0"/>
               <a:t>j:k</a:t>
             </a:r>
             <a:r>
-              <a:rPr lang="ru-RU"/>
+              <a:rPr lang="ru-RU" dirty="0"/>
               <a:t> 	– создание вектора от </a:t>
             </a:r>
             <a:r>
-              <a:rPr lang="en-US"/>
+              <a:rPr lang="en-US" dirty="0" err="1"/>
               <a:t>i</a:t>
             </a:r>
             <a:r>
-              <a:rPr lang="ru-RU"/>
+              <a:rPr lang="ru-RU" dirty="0"/>
               <a:t> до </a:t>
             </a:r>
             <a:r>
-              <a:rPr lang="en-US"/>
+              <a:rPr lang="en-US" dirty="0"/>
               <a:t>k</a:t>
             </a:r>
             <a:r>
-              <a:rPr lang="ru-RU"/>
+              <a:rPr lang="ru-RU" dirty="0"/>
               <a:t> с шагом </a:t>
             </a:r>
             <a:r>
-              <a:rPr lang="en-US"/>
+              <a:rPr lang="en-US" dirty="0"/>
               <a:t>j</a:t>
             </a:r>
-            <a:endParaRPr lang="ru-RU"/>
+            <a:endParaRPr lang="ru-RU" dirty="0"/>
           </a:p>
           <a:p>
             <a:pPr indent="266700">
@@ -11591,23 +11575,23 @@
               <a:buChar char="•"/>
             </a:pPr>
             <a:r>
-              <a:rPr lang="ru-RU"/>
+              <a:rPr lang="ru-RU" dirty="0"/>
               <a:t>М(:</a:t>
             </a:r>
             <a:r>
-              <a:rPr lang="en-US"/>
+              <a:rPr lang="en-US" dirty="0" err="1"/>
               <a:t>i</a:t>
             </a:r>
             <a:r>
-              <a:rPr lang="ru-RU"/>
+              <a:rPr lang="ru-RU" dirty="0"/>
               <a:t>) 	– выбирается </a:t>
             </a:r>
             <a:r>
-              <a:rPr lang="en-US"/>
+              <a:rPr lang="en-US" dirty="0" err="1"/>
               <a:t>i</a:t>
             </a:r>
             <a:r>
-              <a:rPr lang="ru-RU"/>
+              <a:rPr lang="ru-RU" dirty="0"/>
               <a:t>-й столбец из матрицы М</a:t>
             </a:r>
           </a:p>
@@ -11617,23 +11601,23 @@
               <a:buChar char="•"/>
             </a:pPr>
             <a:r>
-              <a:rPr lang="ru-RU"/>
+              <a:rPr lang="ru-RU" dirty="0"/>
               <a:t>  </a:t>
             </a:r>
             <a:r>
-              <a:rPr lang="en-US"/>
+              <a:rPr lang="en-US" dirty="0"/>
               <a:t>; </a:t>
             </a:r>
             <a:r>
-              <a:rPr lang="ru-RU"/>
+              <a:rPr lang="ru-RU" dirty="0"/>
               <a:t>	–</a:t>
             </a:r>
             <a:r>
-              <a:rPr lang="en-US"/>
+              <a:rPr lang="en-US" dirty="0"/>
               <a:t> </a:t>
             </a:r>
             <a:r>
-              <a:rPr lang="ru-RU"/>
+              <a:rPr lang="ru-RU" dirty="0"/>
               <a:t>применяется в конце операторов для подавления вывода информации на экран</a:t>
             </a:r>
           </a:p>
@@ -11643,16 +11627,24 @@
               <a:buChar char="•"/>
             </a:pPr>
             <a:r>
-              <a:rPr lang="ru-RU"/>
+              <a:rPr lang="ru-RU" dirty="0"/>
               <a:t>  </a:t>
             </a:r>
             <a:r>
-              <a:rPr lang="en-US"/>
+              <a:rPr lang="en-US" dirty="0"/>
               <a:t>‘</a:t>
             </a:r>
             <a:r>
-              <a:rPr lang="ru-RU"/>
-              <a:t>	– применяется для указания того, что мат.выражение содержит символьные переменные</a:t>
+              <a:rPr lang="ru-RU" dirty="0"/>
+              <a:t>	– применяется для указания того, что </a:t>
+            </a:r>
+            <a:r>
+              <a:rPr lang="ru-RU" dirty="0" err="1"/>
+              <a:t>мат.выражение</a:t>
+            </a:r>
+            <a:r>
+              <a:rPr lang="ru-RU" dirty="0"/>
+              <a:t> содержит символьные переменные</a:t>
             </a:r>
           </a:p>
           <a:p>
@@ -11661,18 +11653,18 @@
               <a:buChar char="•"/>
             </a:pPr>
             <a:r>
-              <a:rPr lang="ru-RU"/>
+              <a:rPr lang="ru-RU" dirty="0"/>
               <a:t> …	– продолжение строки</a:t>
             </a:r>
           </a:p>
           <a:p>
             <a:pPr indent="266700"/>
-            <a:endParaRPr lang="ru-RU" u="sng"/>
+            <a:endParaRPr lang="ru-RU" u="sng" dirty="0"/>
           </a:p>
           <a:p>
             <a:pPr indent="266700"/>
             <a:r>
-              <a:rPr lang="ru-RU" u="sng"/>
+              <a:rPr lang="ru-RU" u="sng" dirty="0"/>
               <a:t>Некоторые команды управления окном:</a:t>
             </a:r>
           </a:p>
@@ -11682,22 +11674,26 @@
               <a:buChar char="•"/>
             </a:pPr>
             <a:r>
-              <a:rPr lang="en-US"/>
-              <a:t>clc </a:t>
-            </a:r>
-            <a:r>
-              <a:rPr lang="ru-RU"/>
+              <a:rPr lang="en-US" dirty="0" err="1"/>
+              <a:t>clc</a:t>
+            </a:r>
+            <a:r>
+              <a:rPr lang="en-US" dirty="0"/>
+              <a:t> </a:t>
+            </a:r>
+            <a:r>
+              <a:rPr lang="ru-RU" dirty="0"/>
               <a:t>	   –</a:t>
             </a:r>
             <a:r>
-              <a:rPr lang="en-US"/>
+              <a:rPr lang="en-US" dirty="0"/>
               <a:t> </a:t>
             </a:r>
             <a:r>
-              <a:rPr lang="ru-RU"/>
+              <a:rPr lang="ru-RU" dirty="0"/>
               <a:t>очищение командного окна </a:t>
             </a:r>
-            <a:endParaRPr lang="en-US"/>
+            <a:endParaRPr lang="en-US" dirty="0"/>
           </a:p>
           <a:p>
             <a:pPr indent="266700">
@@ -11705,22 +11701,22 @@
               <a:buChar char="•"/>
             </a:pPr>
             <a:r>
-              <a:rPr lang="en-US"/>
+              <a:rPr lang="en-US" dirty="0"/>
               <a:t>echo on </a:t>
             </a:r>
             <a:r>
-              <a:rPr lang="ru-RU"/>
+              <a:rPr lang="ru-RU" dirty="0"/>
               <a:t>– вывод на экран текстовых </a:t>
             </a:r>
             <a:r>
-              <a:rPr lang="en-US"/>
+              <a:rPr lang="en-US" dirty="0"/>
               <a:t>m-</a:t>
             </a:r>
             <a:r>
-              <a:rPr lang="ru-RU"/>
+              <a:rPr lang="ru-RU" dirty="0"/>
               <a:t>файлов</a:t>
             </a:r>
-            <a:endParaRPr lang="en-US"/>
+            <a:endParaRPr lang="en-US" dirty="0"/>
           </a:p>
           <a:p>
             <a:pPr indent="266700">
@@ -11728,22 +11724,22 @@
               <a:buChar char="•"/>
             </a:pPr>
             <a:r>
-              <a:rPr lang="en-US"/>
+              <a:rPr lang="en-US" dirty="0"/>
               <a:t>echo off</a:t>
             </a:r>
             <a:r>
-              <a:rPr lang="ru-RU"/>
+              <a:rPr lang="ru-RU" dirty="0"/>
               <a:t> – отключение вывода на экран текстовых </a:t>
             </a:r>
             <a:r>
-              <a:rPr lang="en-US"/>
+              <a:rPr lang="en-US" dirty="0"/>
               <a:t>m-</a:t>
             </a:r>
             <a:r>
-              <a:rPr lang="ru-RU"/>
+              <a:rPr lang="ru-RU" dirty="0"/>
               <a:t>файлов</a:t>
             </a:r>
-            <a:endParaRPr lang="en-US"/>
+            <a:endParaRPr lang="en-US" dirty="0"/>
           </a:p>
           <a:p>
             <a:pPr indent="266700">
@@ -11751,22 +11747,22 @@
               <a:buChar char="•"/>
             </a:pPr>
             <a:r>
-              <a:rPr lang="en-US"/>
+              <a:rPr lang="en-US" dirty="0"/>
               <a:t>clear</a:t>
             </a:r>
             <a:r>
-              <a:rPr lang="ru-RU"/>
+              <a:rPr lang="ru-RU" dirty="0"/>
               <a:t>     </a:t>
             </a:r>
             <a:r>
-              <a:rPr lang="en-US"/>
+              <a:rPr lang="en-US" dirty="0"/>
               <a:t>– </a:t>
             </a:r>
             <a:r>
-              <a:rPr lang="ru-RU"/>
+              <a:rPr lang="ru-RU" dirty="0"/>
               <a:t>уничтожение всех переменных</a:t>
             </a:r>
-            <a:endParaRPr lang="en-US"/>
+            <a:endParaRPr lang="en-US" dirty="0"/>
           </a:p>
           <a:p>
             <a:pPr indent="266700">
@@ -11774,11 +11770,11 @@
               <a:buChar char="•"/>
             </a:pPr>
             <a:r>
-              <a:rPr lang="en-US"/>
+              <a:rPr lang="en-US" dirty="0"/>
               <a:t>clear X </a:t>
             </a:r>
             <a:r>
-              <a:rPr lang="ru-RU"/>
+              <a:rPr lang="ru-RU" dirty="0"/>
               <a:t> –уничтожение переменной Х</a:t>
             </a:r>
           </a:p>
